--- a/Data/Distribution of Regulation.pptx
+++ b/Data/Distribution of Regulation.pptx
@@ -104,6 +104,11 @@
       </a:defRPr>
     </a:lvl9pPr>
   </p:defaultTextStyle>
+  <p:extLst>
+    <p:ext uri="{EFAFB233-063F-42B5-8137-9DF3F51BA10A}">
+      <p15:sldGuideLst xmlns:p15="http://schemas.microsoft.com/office/powerpoint/2012/main"/>
+    </p:ext>
+  </p:extLst>
 </p:presentation>
 </file>
 
@@ -254,7 +259,7 @@
           <a:p>
             <a:fld id="{D91C4070-0E80-DE46-BAD1-CABF3176B689}" type="datetimeFigureOut">
               <a:rPr lang="en-US" smtClean="0"/>
-              <a:t>10/1/24</a:t>
+              <a:t>10/7/24</a:t>
             </a:fld>
             <a:endParaRPr lang="en-US"/>
           </a:p>
@@ -452,7 +457,7 @@
           <a:p>
             <a:fld id="{D91C4070-0E80-DE46-BAD1-CABF3176B689}" type="datetimeFigureOut">
               <a:rPr lang="en-US" smtClean="0"/>
-              <a:t>10/1/24</a:t>
+              <a:t>10/7/24</a:t>
             </a:fld>
             <a:endParaRPr lang="en-US"/>
           </a:p>
@@ -660,7 +665,7 @@
           <a:p>
             <a:fld id="{D91C4070-0E80-DE46-BAD1-CABF3176B689}" type="datetimeFigureOut">
               <a:rPr lang="en-US" smtClean="0"/>
-              <a:t>10/1/24</a:t>
+              <a:t>10/7/24</a:t>
             </a:fld>
             <a:endParaRPr lang="en-US"/>
           </a:p>
@@ -858,7 +863,7 @@
           <a:p>
             <a:fld id="{D91C4070-0E80-DE46-BAD1-CABF3176B689}" type="datetimeFigureOut">
               <a:rPr lang="en-US" smtClean="0"/>
-              <a:t>10/1/24</a:t>
+              <a:t>10/7/24</a:t>
             </a:fld>
             <a:endParaRPr lang="en-US"/>
           </a:p>
@@ -1133,7 +1138,7 @@
           <a:p>
             <a:fld id="{D91C4070-0E80-DE46-BAD1-CABF3176B689}" type="datetimeFigureOut">
               <a:rPr lang="en-US" smtClean="0"/>
-              <a:t>10/1/24</a:t>
+              <a:t>10/7/24</a:t>
             </a:fld>
             <a:endParaRPr lang="en-US"/>
           </a:p>
@@ -1398,7 +1403,7 @@
           <a:p>
             <a:fld id="{D91C4070-0E80-DE46-BAD1-CABF3176B689}" type="datetimeFigureOut">
               <a:rPr lang="en-US" smtClean="0"/>
-              <a:t>10/1/24</a:t>
+              <a:t>10/7/24</a:t>
             </a:fld>
             <a:endParaRPr lang="en-US"/>
           </a:p>
@@ -1810,7 +1815,7 @@
           <a:p>
             <a:fld id="{D91C4070-0E80-DE46-BAD1-CABF3176B689}" type="datetimeFigureOut">
               <a:rPr lang="en-US" smtClean="0"/>
-              <a:t>10/1/24</a:t>
+              <a:t>10/7/24</a:t>
             </a:fld>
             <a:endParaRPr lang="en-US"/>
           </a:p>
@@ -1951,7 +1956,7 @@
           <a:p>
             <a:fld id="{D91C4070-0E80-DE46-BAD1-CABF3176B689}" type="datetimeFigureOut">
               <a:rPr lang="en-US" smtClean="0"/>
-              <a:t>10/1/24</a:t>
+              <a:t>10/7/24</a:t>
             </a:fld>
             <a:endParaRPr lang="en-US"/>
           </a:p>
@@ -2064,7 +2069,7 @@
           <a:p>
             <a:fld id="{D91C4070-0E80-DE46-BAD1-CABF3176B689}" type="datetimeFigureOut">
               <a:rPr lang="en-US" smtClean="0"/>
-              <a:t>10/1/24</a:t>
+              <a:t>10/7/24</a:t>
             </a:fld>
             <a:endParaRPr lang="en-US"/>
           </a:p>
@@ -2375,7 +2380,7 @@
           <a:p>
             <a:fld id="{D91C4070-0E80-DE46-BAD1-CABF3176B689}" type="datetimeFigureOut">
               <a:rPr lang="en-US" smtClean="0"/>
-              <a:t>10/1/24</a:t>
+              <a:t>10/7/24</a:t>
             </a:fld>
             <a:endParaRPr lang="en-US"/>
           </a:p>
@@ -2663,7 +2668,7 @@
           <a:p>
             <a:fld id="{D91C4070-0E80-DE46-BAD1-CABF3176B689}" type="datetimeFigureOut">
               <a:rPr lang="en-US" smtClean="0"/>
-              <a:t>10/1/24</a:t>
+              <a:t>10/7/24</a:t>
             </a:fld>
             <a:endParaRPr lang="en-US"/>
           </a:p>
@@ -2904,7 +2909,7 @@
           <a:p>
             <a:fld id="{D91C4070-0E80-DE46-BAD1-CABF3176B689}" type="datetimeFigureOut">
               <a:rPr lang="en-US" smtClean="0"/>
-              <a:t>10/1/24</a:t>
+              <a:t>10/7/24</a:t>
             </a:fld>
             <a:endParaRPr lang="en-US"/>
           </a:p>
@@ -3335,8 +3340,69 @@
         </p:nvSpPr>
         <p:spPr>
           <a:xfrm>
-            <a:off x="484884" y="467833"/>
-            <a:ext cx="2425947" cy="1545169"/>
+            <a:off x="887813" y="320019"/>
+            <a:ext cx="2238621" cy="1324836"/>
+          </a:xfrm>
+          <a:prstGeom prst="rect">
+            <a:avLst/>
+          </a:prstGeom>
+          <a:solidFill>
+            <a:schemeClr val="bg2">
+              <a:lumMod val="25000"/>
+            </a:schemeClr>
+          </a:solidFill>
+        </p:spPr>
+        <p:style>
+          <a:lnRef idx="2">
+            <a:schemeClr val="accent1">
+              <a:shade val="15000"/>
+            </a:schemeClr>
+          </a:lnRef>
+          <a:fillRef idx="1">
+            <a:schemeClr val="accent1"/>
+          </a:fillRef>
+          <a:effectRef idx="0">
+            <a:schemeClr val="accent1"/>
+          </a:effectRef>
+          <a:fontRef idx="minor">
+            <a:schemeClr val="lt1"/>
+          </a:fontRef>
+        </p:style>
+        <p:txBody>
+          <a:bodyPr rtlCol="0" anchor="ctr"/>
+          <a:lstStyle/>
+          <a:p>
+            <a:pPr algn="ctr"/>
+            <a:r>
+              <a:rPr lang="en-US" dirty="0"/>
+              <a:t>Regulated Occupations</a:t>
+            </a:r>
+          </a:p>
+          <a:p>
+            <a:pPr algn="ctr"/>
+            <a:r>
+              <a:rPr lang="en-US" i="1" dirty="0"/>
+              <a:t>N = 84</a:t>
+            </a:r>
+          </a:p>
+        </p:txBody>
+      </p:sp>
+      <p:sp>
+        <p:nvSpPr>
+          <p:cNvPr id="6" name="Rectangle 5">
+            <a:extLst>
+              <a:ext uri="{FF2B5EF4-FFF2-40B4-BE49-F238E27FC236}">
+                <a16:creationId xmlns:a16="http://schemas.microsoft.com/office/drawing/2014/main" id="{9AF6DD5F-679F-A6D4-87DA-2100EEF795E9}"/>
+              </a:ext>
+            </a:extLst>
+          </p:cNvPr>
+          <p:cNvSpPr/>
+          <p:nvPr/>
+        </p:nvSpPr>
+        <p:spPr>
+          <a:xfrm>
+            <a:off x="4695566" y="620060"/>
+            <a:ext cx="2627812" cy="724755"/>
           </a:xfrm>
           <a:prstGeom prst="rect">
             <a:avLst/>
@@ -3365,24 +3431,24 @@
             <a:pPr algn="ctr"/>
             <a:r>
               <a:rPr lang="en-US" dirty="0"/>
-              <a:t>Regulated Occupations</a:t>
+              <a:t>Minimum Requirements</a:t>
             </a:r>
           </a:p>
           <a:p>
             <a:pPr algn="ctr"/>
             <a:r>
               <a:rPr lang="en-US" i="1" dirty="0"/>
-              <a:t>N = 84</a:t>
-            </a:r>
-          </a:p>
-        </p:txBody>
-      </p:sp>
-      <p:sp>
-        <p:nvSpPr>
-          <p:cNvPr id="6" name="Rectangle 5">
-            <a:extLst>
-              <a:ext uri="{FF2B5EF4-FFF2-40B4-BE49-F238E27FC236}">
-                <a16:creationId xmlns:a16="http://schemas.microsoft.com/office/drawing/2014/main" id="{9AF6DD5F-679F-A6D4-87DA-2100EEF795E9}"/>
+              <a:t>N=75</a:t>
+            </a:r>
+          </a:p>
+        </p:txBody>
+      </p:sp>
+      <p:sp>
+        <p:nvSpPr>
+          <p:cNvPr id="7" name="Rectangle 6">
+            <a:extLst>
+              <a:ext uri="{FF2B5EF4-FFF2-40B4-BE49-F238E27FC236}">
+                <a16:creationId xmlns:a16="http://schemas.microsoft.com/office/drawing/2014/main" id="{45E1FE7A-0763-BF34-B6D3-883946B6FB48}"/>
               </a:ext>
             </a:extLst>
           </p:cNvPr>
@@ -3391,8 +3457,89 @@
         </p:nvSpPr>
         <p:spPr>
           <a:xfrm>
-            <a:off x="3418991" y="817772"/>
-            <a:ext cx="2847706" cy="845289"/>
+            <a:off x="132687" y="3512799"/>
+            <a:ext cx="3748875" cy="1248651"/>
+          </a:xfrm>
+          <a:prstGeom prst="rect">
+            <a:avLst/>
+          </a:prstGeom>
+          <a:solidFill>
+            <a:schemeClr val="accent2">
+              <a:lumMod val="50000"/>
+            </a:schemeClr>
+          </a:solidFill>
+        </p:spPr>
+        <p:style>
+          <a:lnRef idx="2">
+            <a:schemeClr val="accent1">
+              <a:shade val="15000"/>
+            </a:schemeClr>
+          </a:lnRef>
+          <a:fillRef idx="1">
+            <a:schemeClr val="accent1"/>
+          </a:fillRef>
+          <a:effectRef idx="0">
+            <a:schemeClr val="accent1"/>
+          </a:effectRef>
+          <a:fontRef idx="minor">
+            <a:schemeClr val="lt1"/>
+          </a:fontRef>
+        </p:style>
+        <p:txBody>
+          <a:bodyPr rtlCol="0" anchor="ctr"/>
+          <a:lstStyle/>
+          <a:p>
+            <a:pPr algn="ctr"/>
+            <a:endParaRPr lang="en-US" dirty="0"/>
+          </a:p>
+          <a:p>
+            <a:pPr algn="ctr"/>
+            <a:endParaRPr lang="en-US" dirty="0"/>
+          </a:p>
+          <a:p>
+            <a:pPr algn="ctr"/>
+            <a:r>
+              <a:rPr lang="en-US" dirty="0"/>
+              <a:t>No minimum requirements. Regulated mainly for labor contract and worker safety reasons.</a:t>
+            </a:r>
+          </a:p>
+          <a:p>
+            <a:pPr algn="ctr"/>
+            <a:r>
+              <a:rPr lang="en-US" i="1" dirty="0"/>
+              <a:t>N=9</a:t>
+            </a:r>
+            <a:r>
+              <a:rPr lang="en-US" dirty="0"/>
+              <a:t> </a:t>
+            </a:r>
+          </a:p>
+          <a:p>
+            <a:pPr algn="ctr"/>
+            <a:endParaRPr lang="en-US" dirty="0"/>
+          </a:p>
+          <a:p>
+            <a:pPr algn="ctr"/>
+            <a:endParaRPr lang="en-US" i="1" dirty="0"/>
+          </a:p>
+        </p:txBody>
+      </p:sp>
+      <p:sp>
+        <p:nvSpPr>
+          <p:cNvPr id="9" name="Rectangle 8">
+            <a:extLst>
+              <a:ext uri="{FF2B5EF4-FFF2-40B4-BE49-F238E27FC236}">
+                <a16:creationId xmlns:a16="http://schemas.microsoft.com/office/drawing/2014/main" id="{2D4AE666-75D8-F6F2-B468-2DDBF181D3F1}"/>
+              </a:ext>
+            </a:extLst>
+          </p:cNvPr>
+          <p:cNvSpPr/>
+          <p:nvPr/>
+        </p:nvSpPr>
+        <p:spPr>
+          <a:xfrm>
+            <a:off x="4695566" y="3618968"/>
+            <a:ext cx="2627812" cy="1036314"/>
           </a:xfrm>
           <a:prstGeom prst="rect">
             <a:avLst/>
@@ -3421,24 +3568,24 @@
             <a:pPr algn="ctr"/>
             <a:r>
               <a:rPr lang="en-US" dirty="0"/>
-              <a:t>Minimum Requirements</a:t>
+              <a:t>Requires a License or Registration</a:t>
             </a:r>
           </a:p>
           <a:p>
             <a:pPr algn="ctr"/>
             <a:r>
               <a:rPr lang="en-US" i="1" dirty="0"/>
-              <a:t>N=75</a:t>
-            </a:r>
-          </a:p>
-        </p:txBody>
-      </p:sp>
-      <p:sp>
-        <p:nvSpPr>
-          <p:cNvPr id="7" name="Rectangle 6">
-            <a:extLst>
-              <a:ext uri="{FF2B5EF4-FFF2-40B4-BE49-F238E27FC236}">
-                <a16:creationId xmlns:a16="http://schemas.microsoft.com/office/drawing/2014/main" id="{45E1FE7A-0763-BF34-B6D3-883946B6FB48}"/>
+              <a:t>N = 68</a:t>
+            </a:r>
+          </a:p>
+        </p:txBody>
+      </p:sp>
+      <p:sp>
+        <p:nvSpPr>
+          <p:cNvPr id="10" name="Rectangle 9">
+            <a:extLst>
+              <a:ext uri="{FF2B5EF4-FFF2-40B4-BE49-F238E27FC236}">
+                <a16:creationId xmlns:a16="http://schemas.microsoft.com/office/drawing/2014/main" id="{E324EEAB-7A41-BF6B-998D-5C5B19838CE5}"/>
               </a:ext>
             </a:extLst>
           </p:cNvPr>
@@ -3447,8 +3594,84 @@
         </p:nvSpPr>
         <p:spPr>
           <a:xfrm>
-            <a:off x="347428" y="5181504"/>
-            <a:ext cx="3219844" cy="1208663"/>
+            <a:off x="8582228" y="624391"/>
+            <a:ext cx="3267904" cy="724755"/>
+          </a:xfrm>
+          <a:prstGeom prst="rect">
+            <a:avLst/>
+          </a:prstGeom>
+          <a:solidFill>
+            <a:schemeClr val="accent3">
+              <a:lumMod val="75000"/>
+            </a:schemeClr>
+          </a:solidFill>
+          <a:ln>
+            <a:solidFill>
+              <a:schemeClr val="accent1">
+                <a:lumMod val="75000"/>
+              </a:schemeClr>
+            </a:solidFill>
+          </a:ln>
+        </p:spPr>
+        <p:style>
+          <a:lnRef idx="2">
+            <a:schemeClr val="accent1">
+              <a:shade val="15000"/>
+            </a:schemeClr>
+          </a:lnRef>
+          <a:fillRef idx="1">
+            <a:schemeClr val="accent1"/>
+          </a:fillRef>
+          <a:effectRef idx="0">
+            <a:schemeClr val="accent1"/>
+          </a:effectRef>
+          <a:fontRef idx="minor">
+            <a:schemeClr val="lt1"/>
+          </a:fontRef>
+        </p:style>
+        <p:txBody>
+          <a:bodyPr rtlCol="0" anchor="ctr"/>
+          <a:lstStyle/>
+          <a:p>
+            <a:pPr algn="ctr"/>
+            <a:r>
+              <a:rPr lang="en-US" dirty="0"/>
+              <a:t>No </a:t>
+            </a:r>
+            <a:r>
+              <a:rPr lang="en-US" i="1" dirty="0"/>
+              <a:t>ex ante </a:t>
+            </a:r>
+            <a:r>
+              <a:rPr lang="en-US" dirty="0"/>
+              <a:t>licensing</a:t>
+            </a:r>
+          </a:p>
+          <a:p>
+            <a:pPr algn="ctr"/>
+            <a:r>
+              <a:rPr lang="en-US" i="1" dirty="0"/>
+              <a:t>N=7</a:t>
+            </a:r>
+          </a:p>
+        </p:txBody>
+      </p:sp>
+      <p:sp>
+        <p:nvSpPr>
+          <p:cNvPr id="11" name="Rectangle 10">
+            <a:extLst>
+              <a:ext uri="{FF2B5EF4-FFF2-40B4-BE49-F238E27FC236}">
+                <a16:creationId xmlns:a16="http://schemas.microsoft.com/office/drawing/2014/main" id="{D52A73A2-E15E-B843-DAAC-AFF833398F59}"/>
+              </a:ext>
+            </a:extLst>
+          </p:cNvPr>
+          <p:cNvSpPr/>
+          <p:nvPr/>
+        </p:nvSpPr>
+        <p:spPr>
+          <a:xfrm>
+            <a:off x="8582228" y="2675747"/>
+            <a:ext cx="3267904" cy="724755"/>
           </a:xfrm>
           <a:prstGeom prst="rect">
             <a:avLst/>
@@ -3475,46 +3698,26 @@
           <a:lstStyle/>
           <a:p>
             <a:pPr algn="ctr"/>
-            <a:endParaRPr lang="en-US" dirty="0"/>
+            <a:r>
+              <a:rPr lang="en-US" dirty="0"/>
+              <a:t>Issued by Federal Government</a:t>
+            </a:r>
           </a:p>
           <a:p>
             <a:pPr algn="ctr"/>
-            <a:endParaRPr lang="en-US" dirty="0"/>
-          </a:p>
-          <a:p>
-            <a:pPr algn="ctr"/>
-            <a:r>
-              <a:rPr lang="en-US" dirty="0"/>
-              <a:t>No minimum requirements. Regulated for labor contract and worker safety reasons.</a:t>
-            </a:r>
-          </a:p>
-          <a:p>
-            <a:pPr algn="ctr"/>
             <a:r>
               <a:rPr lang="en-US" i="1" dirty="0"/>
-              <a:t>N=10</a:t>
-            </a:r>
-            <a:r>
-              <a:rPr lang="en-US" dirty="0"/>
-              <a:t> </a:t>
-            </a:r>
-          </a:p>
-          <a:p>
-            <a:pPr algn="ctr"/>
-            <a:endParaRPr lang="en-US" dirty="0"/>
-          </a:p>
-          <a:p>
-            <a:pPr algn="ctr"/>
-            <a:endParaRPr lang="en-US" i="1" dirty="0"/>
-          </a:p>
-        </p:txBody>
-      </p:sp>
-      <p:sp>
-        <p:nvSpPr>
-          <p:cNvPr id="9" name="Rectangle 8">
-            <a:extLst>
-              <a:ext uri="{FF2B5EF4-FFF2-40B4-BE49-F238E27FC236}">
-                <a16:creationId xmlns:a16="http://schemas.microsoft.com/office/drawing/2014/main" id="{2D4AE666-75D8-F6F2-B468-2DDBF181D3F1}"/>
+              <a:t>N=17</a:t>
+            </a:r>
+          </a:p>
+        </p:txBody>
+      </p:sp>
+      <p:sp>
+        <p:nvSpPr>
+          <p:cNvPr id="12" name="Rectangle 11">
+            <a:extLst>
+              <a:ext uri="{FF2B5EF4-FFF2-40B4-BE49-F238E27FC236}">
+                <a16:creationId xmlns:a16="http://schemas.microsoft.com/office/drawing/2014/main" id="{D639D2C5-D1EE-AAC8-945B-15A41DDBD0AD}"/>
               </a:ext>
             </a:extLst>
           </p:cNvPr>
@@ -3523,8 +3726,8 @@
         </p:nvSpPr>
         <p:spPr>
           <a:xfrm>
-            <a:off x="5253444" y="3028015"/>
-            <a:ext cx="2847706" cy="845289"/>
+            <a:off x="8582228" y="3659236"/>
+            <a:ext cx="3267904" cy="946074"/>
           </a:xfrm>
           <a:prstGeom prst="rect">
             <a:avLst/>
@@ -3553,24 +3756,31 @@
             <a:pPr algn="ctr"/>
             <a:r>
               <a:rPr lang="en-US" dirty="0"/>
-              <a:t>Requires a License or Registration</a:t>
+              <a:t>Issued by an external agency, </a:t>
             </a:r>
           </a:p>
           <a:p>
             <a:pPr algn="ctr"/>
             <a:r>
+              <a:rPr lang="en-US" dirty="0"/>
+              <a:t>state or local government</a:t>
+            </a:r>
+          </a:p>
+          <a:p>
+            <a:pPr algn="ctr"/>
+            <a:r>
               <a:rPr lang="en-US" i="1" dirty="0"/>
-              <a:t>N = </a:t>
-            </a:r>
-          </a:p>
-        </p:txBody>
-      </p:sp>
-      <p:sp>
-        <p:nvSpPr>
-          <p:cNvPr id="10" name="Rectangle 9">
-            <a:extLst>
-              <a:ext uri="{FF2B5EF4-FFF2-40B4-BE49-F238E27FC236}">
-                <a16:creationId xmlns:a16="http://schemas.microsoft.com/office/drawing/2014/main" id="{E324EEAB-7A41-BF6B-998D-5C5B19838CE5}"/>
+              <a:t>N=9</a:t>
+            </a:r>
+          </a:p>
+        </p:txBody>
+      </p:sp>
+      <p:sp>
+        <p:nvSpPr>
+          <p:cNvPr id="13" name="Rectangle 12">
+            <a:extLst>
+              <a:ext uri="{FF2B5EF4-FFF2-40B4-BE49-F238E27FC236}">
+                <a16:creationId xmlns:a16="http://schemas.microsoft.com/office/drawing/2014/main" id="{25038267-9C95-19B0-942E-91E81C570189}"/>
               </a:ext>
             </a:extLst>
           </p:cNvPr>
@@ -3579,8 +3789,8 @@
         </p:nvSpPr>
         <p:spPr>
           <a:xfrm>
-            <a:off x="8484209" y="822103"/>
-            <a:ext cx="2847706" cy="845289"/>
+            <a:off x="8582228" y="4861930"/>
+            <a:ext cx="3267904" cy="724755"/>
           </a:xfrm>
           <a:prstGeom prst="rect">
             <a:avLst/>
@@ -3609,32 +3819,358 @@
             <a:pPr algn="ctr"/>
             <a:r>
               <a:rPr lang="en-US" dirty="0"/>
-              <a:t>No </a:t>
-            </a:r>
+              <a:t>Issued by a professional board</a:t>
+            </a:r>
+          </a:p>
+          <a:p>
+            <a:pPr algn="ctr"/>
             <a:r>
               <a:rPr lang="en-US" i="1" dirty="0"/>
-              <a:t>ex ante </a:t>
-            </a:r>
-            <a:r>
-              <a:rPr lang="en-US" dirty="0"/>
-              <a:t>licensing</a:t>
-            </a:r>
-          </a:p>
-          <a:p>
-            <a:pPr algn="ctr"/>
-            <a:r>
-              <a:rPr lang="en-US" i="1" dirty="0"/>
-              <a:t>N=</a:t>
-            </a:r>
-          </a:p>
-        </p:txBody>
-      </p:sp>
-      <p:sp>
-        <p:nvSpPr>
-          <p:cNvPr id="11" name="Rectangle 10">
-            <a:extLst>
-              <a:ext uri="{FF2B5EF4-FFF2-40B4-BE49-F238E27FC236}">
-                <a16:creationId xmlns:a16="http://schemas.microsoft.com/office/drawing/2014/main" id="{D52A73A2-E15E-B843-DAAC-AFF833398F59}"/>
+              <a:t>N=39</a:t>
+            </a:r>
+          </a:p>
+        </p:txBody>
+      </p:sp>
+      <p:cxnSp>
+        <p:nvCxnSpPr>
+          <p:cNvPr id="16" name="Straight Arrow Connector 15">
+            <a:extLst>
+              <a:ext uri="{FF2B5EF4-FFF2-40B4-BE49-F238E27FC236}">
+                <a16:creationId xmlns:a16="http://schemas.microsoft.com/office/drawing/2014/main" id="{704AC122-450A-5205-78B7-1D420E1C0579}"/>
+              </a:ext>
+            </a:extLst>
+          </p:cNvPr>
+          <p:cNvCxnSpPr>
+            <a:stCxn id="4" idx="3"/>
+            <a:endCxn id="6" idx="1"/>
+          </p:cNvCxnSpPr>
+          <p:nvPr/>
+        </p:nvCxnSpPr>
+        <p:spPr>
+          <a:xfrm>
+            <a:off x="3126434" y="982437"/>
+            <a:ext cx="1569132" cy="1"/>
+          </a:xfrm>
+          <a:prstGeom prst="straightConnector1">
+            <a:avLst/>
+          </a:prstGeom>
+          <a:ln>
+            <a:tailEnd type="triangle"/>
+          </a:ln>
+        </p:spPr>
+        <p:style>
+          <a:lnRef idx="2">
+            <a:schemeClr val="accent1"/>
+          </a:lnRef>
+          <a:fillRef idx="0">
+            <a:schemeClr val="accent1"/>
+          </a:fillRef>
+          <a:effectRef idx="1">
+            <a:schemeClr val="accent1"/>
+          </a:effectRef>
+          <a:fontRef idx="minor">
+            <a:schemeClr val="tx1"/>
+          </a:fontRef>
+        </p:style>
+      </p:cxnSp>
+      <p:cxnSp>
+        <p:nvCxnSpPr>
+          <p:cNvPr id="18" name="Straight Arrow Connector 17">
+            <a:extLst>
+              <a:ext uri="{FF2B5EF4-FFF2-40B4-BE49-F238E27FC236}">
+                <a16:creationId xmlns:a16="http://schemas.microsoft.com/office/drawing/2014/main" id="{7665BBC3-8A67-15B7-08C7-D5418F9FD9D3}"/>
+              </a:ext>
+            </a:extLst>
+          </p:cNvPr>
+          <p:cNvCxnSpPr>
+            <a:cxnSpLocks/>
+            <a:stCxn id="6" idx="3"/>
+            <a:endCxn id="10" idx="1"/>
+          </p:cNvCxnSpPr>
+          <p:nvPr/>
+        </p:nvCxnSpPr>
+        <p:spPr>
+          <a:xfrm>
+            <a:off x="7323378" y="982438"/>
+            <a:ext cx="1258850" cy="4331"/>
+          </a:xfrm>
+          <a:prstGeom prst="straightConnector1">
+            <a:avLst/>
+          </a:prstGeom>
+          <a:ln>
+            <a:tailEnd type="triangle"/>
+          </a:ln>
+        </p:spPr>
+        <p:style>
+          <a:lnRef idx="2">
+            <a:schemeClr val="accent1"/>
+          </a:lnRef>
+          <a:fillRef idx="0">
+            <a:schemeClr val="accent1"/>
+          </a:fillRef>
+          <a:effectRef idx="1">
+            <a:schemeClr val="accent1"/>
+          </a:effectRef>
+          <a:fontRef idx="minor">
+            <a:schemeClr val="tx1"/>
+          </a:fontRef>
+        </p:style>
+      </p:cxnSp>
+      <p:cxnSp>
+        <p:nvCxnSpPr>
+          <p:cNvPr id="20" name="Straight Arrow Connector 19">
+            <a:extLst>
+              <a:ext uri="{FF2B5EF4-FFF2-40B4-BE49-F238E27FC236}">
+                <a16:creationId xmlns:a16="http://schemas.microsoft.com/office/drawing/2014/main" id="{601CBFA3-376F-5C06-0E69-08EC3CF59D93}"/>
+              </a:ext>
+            </a:extLst>
+          </p:cNvPr>
+          <p:cNvCxnSpPr>
+            <a:cxnSpLocks/>
+            <a:stCxn id="6" idx="2"/>
+            <a:endCxn id="9" idx="0"/>
+          </p:cNvCxnSpPr>
+          <p:nvPr/>
+        </p:nvCxnSpPr>
+        <p:spPr>
+          <a:xfrm>
+            <a:off x="6009472" y="1344815"/>
+            <a:ext cx="0" cy="2274153"/>
+          </a:xfrm>
+          <a:prstGeom prst="straightConnector1">
+            <a:avLst/>
+          </a:prstGeom>
+          <a:ln>
+            <a:tailEnd type="triangle"/>
+          </a:ln>
+        </p:spPr>
+        <p:style>
+          <a:lnRef idx="2">
+            <a:schemeClr val="accent1"/>
+          </a:lnRef>
+          <a:fillRef idx="0">
+            <a:schemeClr val="accent1"/>
+          </a:fillRef>
+          <a:effectRef idx="1">
+            <a:schemeClr val="accent1"/>
+          </a:effectRef>
+          <a:fontRef idx="minor">
+            <a:schemeClr val="tx1"/>
+          </a:fontRef>
+        </p:style>
+      </p:cxnSp>
+      <p:cxnSp>
+        <p:nvCxnSpPr>
+          <p:cNvPr id="24" name="Straight Connector 23">
+            <a:extLst>
+              <a:ext uri="{FF2B5EF4-FFF2-40B4-BE49-F238E27FC236}">
+                <a16:creationId xmlns:a16="http://schemas.microsoft.com/office/drawing/2014/main" id="{22FC5F82-60B0-A334-E6D2-8A487852FA57}"/>
+              </a:ext>
+            </a:extLst>
+          </p:cNvPr>
+          <p:cNvCxnSpPr>
+            <a:cxnSpLocks/>
+          </p:cNvCxnSpPr>
+          <p:nvPr/>
+        </p:nvCxnSpPr>
+        <p:spPr>
+          <a:xfrm>
+            <a:off x="7715660" y="3038125"/>
+            <a:ext cx="0" cy="3126725"/>
+          </a:xfrm>
+          <a:prstGeom prst="line">
+            <a:avLst/>
+          </a:prstGeom>
+        </p:spPr>
+        <p:style>
+          <a:lnRef idx="2">
+            <a:schemeClr val="accent1"/>
+          </a:lnRef>
+          <a:fillRef idx="0">
+            <a:schemeClr val="accent1"/>
+          </a:fillRef>
+          <a:effectRef idx="1">
+            <a:schemeClr val="accent1"/>
+          </a:effectRef>
+          <a:fontRef idx="minor">
+            <a:schemeClr val="tx1"/>
+          </a:fontRef>
+        </p:style>
+      </p:cxnSp>
+      <p:cxnSp>
+        <p:nvCxnSpPr>
+          <p:cNvPr id="25" name="Straight Arrow Connector 24">
+            <a:extLst>
+              <a:ext uri="{FF2B5EF4-FFF2-40B4-BE49-F238E27FC236}">
+                <a16:creationId xmlns:a16="http://schemas.microsoft.com/office/drawing/2014/main" id="{4B9D2F90-71A2-B3BB-8FD4-C033653A6C16}"/>
+              </a:ext>
+            </a:extLst>
+          </p:cNvPr>
+          <p:cNvCxnSpPr>
+            <a:cxnSpLocks/>
+            <a:endCxn id="12" idx="1"/>
+          </p:cNvCxnSpPr>
+          <p:nvPr/>
+        </p:nvCxnSpPr>
+        <p:spPr>
+          <a:xfrm flipV="1">
+            <a:off x="7323378" y="4132273"/>
+            <a:ext cx="1258850" cy="4852"/>
+          </a:xfrm>
+          <a:prstGeom prst="straightConnector1">
+            <a:avLst/>
+          </a:prstGeom>
+          <a:ln>
+            <a:tailEnd type="triangle"/>
+          </a:ln>
+        </p:spPr>
+        <p:style>
+          <a:lnRef idx="2">
+            <a:schemeClr val="accent1"/>
+          </a:lnRef>
+          <a:fillRef idx="0">
+            <a:schemeClr val="accent1"/>
+          </a:fillRef>
+          <a:effectRef idx="1">
+            <a:schemeClr val="accent1"/>
+          </a:effectRef>
+          <a:fontRef idx="minor">
+            <a:schemeClr val="tx1"/>
+          </a:fontRef>
+        </p:style>
+      </p:cxnSp>
+      <p:cxnSp>
+        <p:nvCxnSpPr>
+          <p:cNvPr id="26" name="Straight Arrow Connector 25">
+            <a:extLst>
+              <a:ext uri="{FF2B5EF4-FFF2-40B4-BE49-F238E27FC236}">
+                <a16:creationId xmlns:a16="http://schemas.microsoft.com/office/drawing/2014/main" id="{4C9C2080-A524-CC9B-4EC3-A1BB1311B17D}"/>
+              </a:ext>
+            </a:extLst>
+          </p:cNvPr>
+          <p:cNvCxnSpPr>
+            <a:cxnSpLocks/>
+            <a:endCxn id="11" idx="1"/>
+          </p:cNvCxnSpPr>
+          <p:nvPr/>
+        </p:nvCxnSpPr>
+        <p:spPr>
+          <a:xfrm>
+            <a:off x="7715660" y="3038125"/>
+            <a:ext cx="866568" cy="0"/>
+          </a:xfrm>
+          <a:prstGeom prst="straightConnector1">
+            <a:avLst/>
+          </a:prstGeom>
+          <a:ln>
+            <a:tailEnd type="triangle"/>
+          </a:ln>
+        </p:spPr>
+        <p:style>
+          <a:lnRef idx="2">
+            <a:schemeClr val="accent1"/>
+          </a:lnRef>
+          <a:fillRef idx="0">
+            <a:schemeClr val="accent1"/>
+          </a:fillRef>
+          <a:effectRef idx="1">
+            <a:schemeClr val="accent1"/>
+          </a:effectRef>
+          <a:fontRef idx="minor">
+            <a:schemeClr val="tx1"/>
+          </a:fontRef>
+        </p:style>
+      </p:cxnSp>
+      <p:cxnSp>
+        <p:nvCxnSpPr>
+          <p:cNvPr id="28" name="Straight Arrow Connector 27">
+            <a:extLst>
+              <a:ext uri="{FF2B5EF4-FFF2-40B4-BE49-F238E27FC236}">
+                <a16:creationId xmlns:a16="http://schemas.microsoft.com/office/drawing/2014/main" id="{AAF64B58-D912-4AE8-0661-64CE4F0D9D4E}"/>
+              </a:ext>
+            </a:extLst>
+          </p:cNvPr>
+          <p:cNvCxnSpPr>
+            <a:cxnSpLocks/>
+            <a:endCxn id="13" idx="1"/>
+          </p:cNvCxnSpPr>
+          <p:nvPr/>
+        </p:nvCxnSpPr>
+        <p:spPr>
+          <a:xfrm>
+            <a:off x="7710712" y="5224307"/>
+            <a:ext cx="871516" cy="1"/>
+          </a:xfrm>
+          <a:prstGeom prst="straightConnector1">
+            <a:avLst/>
+          </a:prstGeom>
+          <a:ln>
+            <a:tailEnd type="triangle"/>
+          </a:ln>
+        </p:spPr>
+        <p:style>
+          <a:lnRef idx="2">
+            <a:schemeClr val="accent1"/>
+          </a:lnRef>
+          <a:fillRef idx="0">
+            <a:schemeClr val="accent1"/>
+          </a:fillRef>
+          <a:effectRef idx="1">
+            <a:schemeClr val="accent1"/>
+          </a:effectRef>
+          <a:fontRef idx="minor">
+            <a:schemeClr val="tx1"/>
+          </a:fontRef>
+        </p:style>
+      </p:cxnSp>
+      <p:cxnSp>
+        <p:nvCxnSpPr>
+          <p:cNvPr id="30" name="Straight Arrow Connector 29">
+            <a:extLst>
+              <a:ext uri="{FF2B5EF4-FFF2-40B4-BE49-F238E27FC236}">
+                <a16:creationId xmlns:a16="http://schemas.microsoft.com/office/drawing/2014/main" id="{980F9A1D-AC27-3920-27D1-C8307A6CD9C9}"/>
+              </a:ext>
+            </a:extLst>
+          </p:cNvPr>
+          <p:cNvCxnSpPr>
+            <a:cxnSpLocks/>
+            <a:endCxn id="31" idx="1"/>
+          </p:cNvCxnSpPr>
+          <p:nvPr/>
+        </p:nvCxnSpPr>
+        <p:spPr>
+          <a:xfrm>
+            <a:off x="7710712" y="6164850"/>
+            <a:ext cx="871516" cy="1"/>
+          </a:xfrm>
+          <a:prstGeom prst="straightConnector1">
+            <a:avLst/>
+          </a:prstGeom>
+          <a:ln>
+            <a:tailEnd type="triangle"/>
+          </a:ln>
+        </p:spPr>
+        <p:style>
+          <a:lnRef idx="2">
+            <a:schemeClr val="accent1"/>
+          </a:lnRef>
+          <a:fillRef idx="0">
+            <a:schemeClr val="accent1"/>
+          </a:fillRef>
+          <a:effectRef idx="1">
+            <a:schemeClr val="accent1"/>
+          </a:effectRef>
+          <a:fontRef idx="minor">
+            <a:schemeClr val="tx1"/>
+          </a:fontRef>
+        </p:style>
+      </p:cxnSp>
+      <p:sp>
+        <p:nvSpPr>
+          <p:cNvPr id="31" name="Rectangle 30">
+            <a:extLst>
+              <a:ext uri="{FF2B5EF4-FFF2-40B4-BE49-F238E27FC236}">
+                <a16:creationId xmlns:a16="http://schemas.microsoft.com/office/drawing/2014/main" id="{B8082E91-FFD0-F033-D8CC-757F38DD21F3}"/>
               </a:ext>
             </a:extLst>
           </p:cNvPr>
@@ -3643,8 +4179,8 @@
         </p:nvSpPr>
         <p:spPr>
           <a:xfrm>
-            <a:off x="9044382" y="3006355"/>
-            <a:ext cx="2847706" cy="845289"/>
+            <a:off x="8582228" y="5802473"/>
+            <a:ext cx="3267904" cy="724755"/>
           </a:xfrm>
           <a:prstGeom prst="rect">
             <a:avLst/>
@@ -3673,24 +4209,65 @@
             <a:pPr algn="ctr"/>
             <a:r>
               <a:rPr lang="en-US" dirty="0"/>
-              <a:t>Issued by Ministry of Labor</a:t>
+              <a:t>Unclear</a:t>
             </a:r>
           </a:p>
           <a:p>
             <a:pPr algn="ctr"/>
             <a:r>
               <a:rPr lang="en-US" i="1" dirty="0"/>
-              <a:t>N=14</a:t>
-            </a:r>
-          </a:p>
-        </p:txBody>
-      </p:sp>
-      <p:sp>
-        <p:nvSpPr>
-          <p:cNvPr id="12" name="Rectangle 11">
-            <a:extLst>
-              <a:ext uri="{FF2B5EF4-FFF2-40B4-BE49-F238E27FC236}">
-                <a16:creationId xmlns:a16="http://schemas.microsoft.com/office/drawing/2014/main" id="{D639D2C5-D1EE-AAC8-945B-15A41DDBD0AD}"/>
+              <a:t>N=2</a:t>
+            </a:r>
+          </a:p>
+        </p:txBody>
+      </p:sp>
+      <p:cxnSp>
+        <p:nvCxnSpPr>
+          <p:cNvPr id="33" name="Straight Arrow Connector 32">
+            <a:extLst>
+              <a:ext uri="{FF2B5EF4-FFF2-40B4-BE49-F238E27FC236}">
+                <a16:creationId xmlns:a16="http://schemas.microsoft.com/office/drawing/2014/main" id="{3C6341AD-1907-8F72-6CBA-0389AEF283BF}"/>
+              </a:ext>
+            </a:extLst>
+          </p:cNvPr>
+          <p:cNvCxnSpPr>
+            <a:cxnSpLocks/>
+          </p:cNvCxnSpPr>
+          <p:nvPr/>
+        </p:nvCxnSpPr>
+        <p:spPr>
+          <a:xfrm>
+            <a:off x="6009472" y="4536977"/>
+            <a:ext cx="0" cy="825852"/>
+          </a:xfrm>
+          <a:prstGeom prst="straightConnector1">
+            <a:avLst/>
+          </a:prstGeom>
+          <a:ln>
+            <a:tailEnd type="triangle"/>
+          </a:ln>
+        </p:spPr>
+        <p:style>
+          <a:lnRef idx="2">
+            <a:schemeClr val="accent1"/>
+          </a:lnRef>
+          <a:fillRef idx="0">
+            <a:schemeClr val="accent1"/>
+          </a:fillRef>
+          <a:effectRef idx="1">
+            <a:schemeClr val="accent1"/>
+          </a:effectRef>
+          <a:fontRef idx="minor">
+            <a:schemeClr val="tx1"/>
+          </a:fontRef>
+        </p:style>
+      </p:cxnSp>
+      <p:sp>
+        <p:nvSpPr>
+          <p:cNvPr id="39" name="Rectangle 38">
+            <a:extLst>
+              <a:ext uri="{FF2B5EF4-FFF2-40B4-BE49-F238E27FC236}">
+                <a16:creationId xmlns:a16="http://schemas.microsoft.com/office/drawing/2014/main" id="{DAD8E575-69A0-AD27-424E-3AB3A2ACD9CB}"/>
               </a:ext>
             </a:extLst>
           </p:cNvPr>
@@ -3699,12 +4276,15 @@
         </p:nvSpPr>
         <p:spPr>
           <a:xfrm>
-            <a:off x="8960328" y="4353414"/>
-            <a:ext cx="3015813" cy="845289"/>
+            <a:off x="4650404" y="5362829"/>
+            <a:ext cx="2854395" cy="1164399"/>
           </a:xfrm>
           <a:prstGeom prst="rect">
             <a:avLst/>
           </a:prstGeom>
+          <a:solidFill>
+            <a:srgbClr val="0070C0"/>
+          </a:solidFill>
         </p:spPr>
         <p:style>
           <a:lnRef idx="2">
@@ -3729,74 +4309,111 @@
             <a:pPr algn="ctr"/>
             <a:r>
               <a:rPr lang="en-US" dirty="0"/>
-              <a:t>Issued by an external agency</a:t>
+              <a:t>Requires a License, </a:t>
             </a:r>
           </a:p>
           <a:p>
             <a:pPr algn="ctr"/>
             <a:r>
+              <a:rPr lang="en-US" sz="1600" dirty="0"/>
+              <a:t>but no minimal requirements for the worker</a:t>
+            </a:r>
+          </a:p>
+          <a:p>
+            <a:pPr algn="ctr"/>
+            <a:r>
               <a:rPr lang="en-US" i="1" dirty="0"/>
-              <a:t>N=7</a:t>
-            </a:r>
-          </a:p>
-        </p:txBody>
-      </p:sp>
-      <p:sp>
-        <p:nvSpPr>
-          <p:cNvPr id="13" name="Rectangle 12">
-            <a:extLst>
-              <a:ext uri="{FF2B5EF4-FFF2-40B4-BE49-F238E27FC236}">
-                <a16:creationId xmlns:a16="http://schemas.microsoft.com/office/drawing/2014/main" id="{25038267-9C95-19B0-942E-91E81C570189}"/>
-              </a:ext>
-            </a:extLst>
-          </p:cNvPr>
-          <p:cNvSpPr/>
+              <a:t>N = 1</a:t>
+            </a:r>
+          </a:p>
+        </p:txBody>
+      </p:sp>
+      <p:cxnSp>
+        <p:nvCxnSpPr>
+          <p:cNvPr id="46" name="Straight Arrow Connector 45">
+            <a:extLst>
+              <a:ext uri="{FF2B5EF4-FFF2-40B4-BE49-F238E27FC236}">
+                <a16:creationId xmlns:a16="http://schemas.microsoft.com/office/drawing/2014/main" id="{337D0790-3A78-804F-FF96-F4AA64BEC6FD}"/>
+              </a:ext>
+            </a:extLst>
+          </p:cNvPr>
+          <p:cNvCxnSpPr>
+            <a:cxnSpLocks/>
+            <a:stCxn id="4" idx="2"/>
+            <a:endCxn id="7" idx="0"/>
+          </p:cNvCxnSpPr>
           <p:nvPr/>
-        </p:nvSpPr>
+        </p:nvCxnSpPr>
         <p:spPr>
           <a:xfrm>
-            <a:off x="7790555" y="5613252"/>
-            <a:ext cx="3541360" cy="845289"/>
+            <a:off x="2007124" y="1644855"/>
+            <a:ext cx="1" cy="1867944"/>
           </a:xfrm>
-          <a:prstGeom prst="rect">
+          <a:prstGeom prst="straightConnector1">
             <a:avLst/>
           </a:prstGeom>
+          <a:ln>
+            <a:tailEnd type="triangle"/>
+          </a:ln>
         </p:spPr>
         <p:style>
           <a:lnRef idx="2">
-            <a:schemeClr val="accent1">
-              <a:shade val="15000"/>
-            </a:schemeClr>
+            <a:schemeClr val="accent1"/>
           </a:lnRef>
-          <a:fillRef idx="1">
+          <a:fillRef idx="0">
             <a:schemeClr val="accent1"/>
           </a:fillRef>
-          <a:effectRef idx="0">
+          <a:effectRef idx="1">
             <a:schemeClr val="accent1"/>
           </a:effectRef>
           <a:fontRef idx="minor">
-            <a:schemeClr val="lt1"/>
+            <a:schemeClr val="tx1"/>
           </a:fontRef>
         </p:style>
-        <p:txBody>
-          <a:bodyPr rtlCol="0" anchor="ctr"/>
-          <a:lstStyle/>
-          <a:p>
-            <a:pPr algn="ctr"/>
-            <a:r>
-              <a:rPr lang="en-US" dirty="0"/>
-              <a:t>Issued by a professional board</a:t>
-            </a:r>
-          </a:p>
-          <a:p>
-            <a:pPr algn="ctr"/>
-            <a:r>
-              <a:rPr lang="en-US" i="1" dirty="0"/>
-              <a:t>N=4</a:t>
-            </a:r>
-          </a:p>
-        </p:txBody>
-      </p:sp>
+      </p:cxnSp>
+      <p:cxnSp>
+        <p:nvCxnSpPr>
+          <p:cNvPr id="52" name="Elbow Connector 51">
+            <a:extLst>
+              <a:ext uri="{FF2B5EF4-FFF2-40B4-BE49-F238E27FC236}">
+                <a16:creationId xmlns:a16="http://schemas.microsoft.com/office/drawing/2014/main" id="{1BA8D82C-AC7C-F4DC-2796-F9617DBEE3DD}"/>
+              </a:ext>
+            </a:extLst>
+          </p:cNvPr>
+          <p:cNvCxnSpPr>
+            <a:cxnSpLocks/>
+            <a:stCxn id="7" idx="2"/>
+          </p:cNvCxnSpPr>
+          <p:nvPr/>
+        </p:nvCxnSpPr>
+        <p:spPr>
+          <a:xfrm rot="16200000" flipH="1">
+            <a:off x="2736975" y="4031600"/>
+            <a:ext cx="1183578" cy="2643278"/>
+          </a:xfrm>
+          <a:prstGeom prst="bentConnector2">
+            <a:avLst/>
+          </a:prstGeom>
+          <a:ln>
+            <a:prstDash val="dash"/>
+            <a:tailEnd type="triangle"/>
+          </a:ln>
+        </p:spPr>
+        <p:style>
+          <a:lnRef idx="2">
+            <a:schemeClr val="accent1"/>
+          </a:lnRef>
+          <a:fillRef idx="0">
+            <a:schemeClr val="accent1"/>
+          </a:fillRef>
+          <a:effectRef idx="1">
+            <a:schemeClr val="accent1"/>
+          </a:effectRef>
+          <a:fontRef idx="minor">
+            <a:schemeClr val="tx1"/>
+          </a:fontRef>
+        </p:style>
+      </p:cxnSp>
     </p:spTree>
     <p:extLst>
       <p:ext uri="{BB962C8B-B14F-4D97-AF65-F5344CB8AC3E}">
